--- a/SSL_3.0.pptx
+++ b/SSL_3.0.pptx
@@ -6,6 +6,11 @@
   </p:sldMasterIdLst>
   <p:sldIdLst>
     <p:sldId id="256" r:id="rId2"/>
+    <p:sldId id="257" r:id="rId3"/>
+    <p:sldId id="258" r:id="rId4"/>
+    <p:sldId id="259" r:id="rId5"/>
+    <p:sldId id="260" r:id="rId6"/>
+    <p:sldId id="261" r:id="rId7"/>
   </p:sldIdLst>
   <p:sldSz cx="9144000" cy="6858000" type="screen4x3"/>
   <p:notesSz cx="6858000" cy="9144000"/>
@@ -3107,8 +3112,8 @@
         </p:nvSpPr>
         <p:spPr>
           <a:xfrm>
-            <a:off x="343933" y="1481739"/>
-            <a:ext cx="8347001" cy="2118712"/>
+            <a:off x="343933" y="1018695"/>
+            <a:ext cx="8347001" cy="2581756"/>
           </a:xfrm>
         </p:spPr>
         <p:txBody>
@@ -3154,10 +3159,10 @@
           </a:p>
           <a:p>
             <a:r>
-              <a:rPr lang="en-US" smtClean="0"/>
+              <a:rPr lang="en-US" dirty="0" smtClean="0"/>
               <a:t>CS 5345</a:t>
             </a:r>
-            <a:endParaRPr lang="en-US"/>
+            <a:endParaRPr lang="en-US" dirty="0"/>
           </a:p>
         </p:txBody>
       </p:sp>
@@ -3165,6 +3170,384 @@
     <p:extLst>
       <p:ext uri="{BB962C8B-B14F-4D97-AF65-F5344CB8AC3E}">
         <p14:creationId xmlns:p14="http://schemas.microsoft.com/office/powerpoint/2010/main" val="83528006"/>
+      </p:ext>
+    </p:extLst>
+  </p:cSld>
+  <p:clrMapOvr>
+    <a:masterClrMapping/>
+  </p:clrMapOvr>
+</p:sld>
+</file>
+
+<file path=ppt/slides/slide2.xml><?xml version="1.0" encoding="utf-8"?>
+<p:sld xmlns:a="http://schemas.openxmlformats.org/drawingml/2006/main" xmlns:r="http://schemas.openxmlformats.org/officeDocument/2006/relationships" xmlns:p="http://schemas.openxmlformats.org/presentationml/2006/main">
+  <p:cSld>
+    <p:spTree>
+      <p:nvGrpSpPr>
+        <p:cNvPr id="1" name=""/>
+        <p:cNvGrpSpPr/>
+        <p:nvPr/>
+      </p:nvGrpSpPr>
+      <p:grpSpPr>
+        <a:xfrm>
+          <a:off x="0" y="0"/>
+          <a:ext cx="0" cy="0"/>
+          <a:chOff x="0" y="0"/>
+          <a:chExt cx="0" cy="0"/>
+        </a:xfrm>
+      </p:grpSpPr>
+      <p:sp>
+        <p:nvSpPr>
+          <p:cNvPr id="2" name="Title 1"/>
+          <p:cNvSpPr>
+            <a:spLocks noGrp="1"/>
+          </p:cNvSpPr>
+          <p:nvPr>
+            <p:ph type="title"/>
+          </p:nvPr>
+        </p:nvSpPr>
+        <p:spPr/>
+        <p:txBody>
+          <a:bodyPr/>
+          <a:lstStyle/>
+          <a:p>
+            <a:r>
+              <a:rPr lang="en-US" dirty="0" smtClean="0"/>
+              <a:t>Problem</a:t>
+            </a:r>
+            <a:endParaRPr lang="en-US" dirty="0"/>
+          </a:p>
+        </p:txBody>
+      </p:sp>
+      <p:sp>
+        <p:nvSpPr>
+          <p:cNvPr id="3" name="Content Placeholder 2"/>
+          <p:cNvSpPr>
+            <a:spLocks noGrp="1"/>
+          </p:cNvSpPr>
+          <p:nvPr>
+            <p:ph idx="1"/>
+          </p:nvPr>
+        </p:nvSpPr>
+        <p:spPr/>
+        <p:txBody>
+          <a:bodyPr/>
+          <a:lstStyle/>
+          <a:p>
+            <a:endParaRPr lang="en-US"/>
+          </a:p>
+        </p:txBody>
+      </p:sp>
+    </p:spTree>
+    <p:extLst>
+      <p:ext uri="{BB962C8B-B14F-4D97-AF65-F5344CB8AC3E}">
+        <p14:creationId xmlns:p14="http://schemas.microsoft.com/office/powerpoint/2010/main" val="3067409161"/>
+      </p:ext>
+    </p:extLst>
+  </p:cSld>
+  <p:clrMapOvr>
+    <a:masterClrMapping/>
+  </p:clrMapOvr>
+</p:sld>
+</file>
+
+<file path=ppt/slides/slide3.xml><?xml version="1.0" encoding="utf-8"?>
+<p:sld xmlns:a="http://schemas.openxmlformats.org/drawingml/2006/main" xmlns:r="http://schemas.openxmlformats.org/officeDocument/2006/relationships" xmlns:p="http://schemas.openxmlformats.org/presentationml/2006/main">
+  <p:cSld>
+    <p:spTree>
+      <p:nvGrpSpPr>
+        <p:cNvPr id="1" name=""/>
+        <p:cNvGrpSpPr/>
+        <p:nvPr/>
+      </p:nvGrpSpPr>
+      <p:grpSpPr>
+        <a:xfrm>
+          <a:off x="0" y="0"/>
+          <a:ext cx="0" cy="0"/>
+          <a:chOff x="0" y="0"/>
+          <a:chExt cx="0" cy="0"/>
+        </a:xfrm>
+      </p:grpSpPr>
+      <p:sp>
+        <p:nvSpPr>
+          <p:cNvPr id="2" name="Title 1"/>
+          <p:cNvSpPr>
+            <a:spLocks noGrp="1"/>
+          </p:cNvSpPr>
+          <p:nvPr>
+            <p:ph type="title"/>
+          </p:nvPr>
+        </p:nvSpPr>
+        <p:spPr/>
+        <p:txBody>
+          <a:bodyPr/>
+          <a:lstStyle/>
+          <a:p>
+            <a:r>
+              <a:rPr lang="en-US" dirty="0" smtClean="0"/>
+              <a:t>Approach</a:t>
+            </a:r>
+            <a:endParaRPr lang="en-US" dirty="0"/>
+          </a:p>
+        </p:txBody>
+      </p:sp>
+      <p:sp>
+        <p:nvSpPr>
+          <p:cNvPr id="3" name="Content Placeholder 2"/>
+          <p:cNvSpPr>
+            <a:spLocks noGrp="1"/>
+          </p:cNvSpPr>
+          <p:nvPr>
+            <p:ph idx="1"/>
+          </p:nvPr>
+        </p:nvSpPr>
+        <p:spPr/>
+        <p:txBody>
+          <a:bodyPr/>
+          <a:lstStyle/>
+          <a:p>
+            <a:endParaRPr lang="en-US"/>
+          </a:p>
+        </p:txBody>
+      </p:sp>
+    </p:spTree>
+    <p:extLst>
+      <p:ext uri="{BB962C8B-B14F-4D97-AF65-F5344CB8AC3E}">
+        <p14:creationId xmlns:p14="http://schemas.microsoft.com/office/powerpoint/2010/main" val="1724175753"/>
+      </p:ext>
+    </p:extLst>
+  </p:cSld>
+  <p:clrMapOvr>
+    <a:masterClrMapping/>
+  </p:clrMapOvr>
+</p:sld>
+</file>
+
+<file path=ppt/slides/slide4.xml><?xml version="1.0" encoding="utf-8"?>
+<p:sld xmlns:a="http://schemas.openxmlformats.org/drawingml/2006/main" xmlns:r="http://schemas.openxmlformats.org/officeDocument/2006/relationships" xmlns:p="http://schemas.openxmlformats.org/presentationml/2006/main">
+  <p:cSld>
+    <p:spTree>
+      <p:nvGrpSpPr>
+        <p:cNvPr id="1" name=""/>
+        <p:cNvGrpSpPr/>
+        <p:nvPr/>
+      </p:nvGrpSpPr>
+      <p:grpSpPr>
+        <a:xfrm>
+          <a:off x="0" y="0"/>
+          <a:ext cx="0" cy="0"/>
+          <a:chOff x="0" y="0"/>
+          <a:chExt cx="0" cy="0"/>
+        </a:xfrm>
+      </p:grpSpPr>
+      <p:sp>
+        <p:nvSpPr>
+          <p:cNvPr id="2" name="Title 1"/>
+          <p:cNvSpPr>
+            <a:spLocks noGrp="1"/>
+          </p:cNvSpPr>
+          <p:nvPr>
+            <p:ph type="title"/>
+          </p:nvPr>
+        </p:nvSpPr>
+        <p:spPr/>
+        <p:txBody>
+          <a:bodyPr/>
+          <a:lstStyle/>
+          <a:p>
+            <a:r>
+              <a:rPr lang="en-US" dirty="0" smtClean="0"/>
+              <a:t>Results : Answer 1</a:t>
+            </a:r>
+            <a:endParaRPr lang="en-US" dirty="0"/>
+          </a:p>
+        </p:txBody>
+      </p:sp>
+      <p:pic>
+        <p:nvPicPr>
+          <p:cNvPr id="4" name="Content Placeholder 3" descr="abc.pdf"/>
+          <p:cNvPicPr>
+            <a:picLocks noGrp="1" noChangeAspect="1"/>
+          </p:cNvPicPr>
+          <p:nvPr>
+            <p:ph idx="1"/>
+          </p:nvPr>
+        </p:nvPicPr>
+        <p:blipFill rotWithShape="1">
+          <a:blip r:embed="rId2">
+            <a:extLst>
+              <a:ext uri="{28A0092B-C50C-407E-A947-70E740481C1C}">
+                <a14:useLocalDpi xmlns:a14="http://schemas.microsoft.com/office/drawing/2010/main" val="0"/>
+              </a:ext>
+            </a:extLst>
+          </a:blip>
+          <a:srcRect l="84" r="6682"/>
+          <a:stretch/>
+        </p:blipFill>
+        <p:spPr>
+          <a:xfrm>
+            <a:off x="1256679" y="1230372"/>
+            <a:ext cx="6971267" cy="5515320"/>
+          </a:xfrm>
+        </p:spPr>
+      </p:pic>
+    </p:spTree>
+    <p:extLst>
+      <p:ext uri="{BB962C8B-B14F-4D97-AF65-F5344CB8AC3E}">
+        <p14:creationId xmlns:p14="http://schemas.microsoft.com/office/powerpoint/2010/main" val="1161700376"/>
+      </p:ext>
+    </p:extLst>
+  </p:cSld>
+  <p:clrMapOvr>
+    <a:masterClrMapping/>
+  </p:clrMapOvr>
+</p:sld>
+</file>
+
+<file path=ppt/slides/slide5.xml><?xml version="1.0" encoding="utf-8"?>
+<p:sld xmlns:a="http://schemas.openxmlformats.org/drawingml/2006/main" xmlns:r="http://schemas.openxmlformats.org/officeDocument/2006/relationships" xmlns:p="http://schemas.openxmlformats.org/presentationml/2006/main">
+  <p:cSld>
+    <p:spTree>
+      <p:nvGrpSpPr>
+        <p:cNvPr id="1" name=""/>
+        <p:cNvGrpSpPr/>
+        <p:nvPr/>
+      </p:nvGrpSpPr>
+      <p:grpSpPr>
+        <a:xfrm>
+          <a:off x="0" y="0"/>
+          <a:ext cx="0" cy="0"/>
+          <a:chOff x="0" y="0"/>
+          <a:chExt cx="0" cy="0"/>
+        </a:xfrm>
+      </p:grpSpPr>
+      <p:sp>
+        <p:nvSpPr>
+          <p:cNvPr id="2" name="Title 1"/>
+          <p:cNvSpPr>
+            <a:spLocks noGrp="1"/>
+          </p:cNvSpPr>
+          <p:nvPr>
+            <p:ph type="title"/>
+          </p:nvPr>
+        </p:nvSpPr>
+        <p:spPr/>
+        <p:txBody>
+          <a:bodyPr/>
+          <a:lstStyle/>
+          <a:p>
+            <a:r>
+              <a:rPr lang="en-US" dirty="0" smtClean="0"/>
+              <a:t>Results : Answer 2</a:t>
+            </a:r>
+            <a:endParaRPr lang="en-US" dirty="0"/>
+          </a:p>
+        </p:txBody>
+      </p:sp>
+      <p:pic>
+        <p:nvPicPr>
+          <p:cNvPr id="4" name="Content Placeholder 3" descr="same_diff_org.png"/>
+          <p:cNvPicPr>
+            <a:picLocks noGrp="1" noChangeAspect="1"/>
+          </p:cNvPicPr>
+          <p:nvPr>
+            <p:ph idx="1"/>
+          </p:nvPr>
+        </p:nvPicPr>
+        <p:blipFill rotWithShape="1">
+          <a:blip r:embed="rId2">
+            <a:extLst>
+              <a:ext uri="{28A0092B-C50C-407E-A947-70E740481C1C}">
+                <a14:useLocalDpi xmlns:a14="http://schemas.microsoft.com/office/drawing/2010/main" val="0"/>
+              </a:ext>
+            </a:extLst>
+          </a:blip>
+          <a:srcRect l="-583" t="-4034" r="5420" b="1"/>
+          <a:stretch/>
+        </p:blipFill>
+        <p:spPr>
+          <a:xfrm>
+            <a:off x="886290" y="1417638"/>
+            <a:ext cx="7473939" cy="5144499"/>
+          </a:xfrm>
+        </p:spPr>
+      </p:pic>
+    </p:spTree>
+    <p:extLst>
+      <p:ext uri="{BB962C8B-B14F-4D97-AF65-F5344CB8AC3E}">
+        <p14:creationId xmlns:p14="http://schemas.microsoft.com/office/powerpoint/2010/main" val="3232609321"/>
+      </p:ext>
+    </p:extLst>
+  </p:cSld>
+  <p:clrMapOvr>
+    <a:masterClrMapping/>
+  </p:clrMapOvr>
+</p:sld>
+</file>
+
+<file path=ppt/slides/slide6.xml><?xml version="1.0" encoding="utf-8"?>
+<p:sld xmlns:a="http://schemas.openxmlformats.org/drawingml/2006/main" xmlns:r="http://schemas.openxmlformats.org/officeDocument/2006/relationships" xmlns:p="http://schemas.openxmlformats.org/presentationml/2006/main">
+  <p:cSld>
+    <p:spTree>
+      <p:nvGrpSpPr>
+        <p:cNvPr id="1" name=""/>
+        <p:cNvGrpSpPr/>
+        <p:nvPr/>
+      </p:nvGrpSpPr>
+      <p:grpSpPr>
+        <a:xfrm>
+          <a:off x="0" y="0"/>
+          <a:ext cx="0" cy="0"/>
+          <a:chOff x="0" y="0"/>
+          <a:chExt cx="0" cy="0"/>
+        </a:xfrm>
+      </p:grpSpPr>
+      <p:sp>
+        <p:nvSpPr>
+          <p:cNvPr id="2" name="Title 1"/>
+          <p:cNvSpPr>
+            <a:spLocks noGrp="1"/>
+          </p:cNvSpPr>
+          <p:nvPr>
+            <p:ph type="title"/>
+          </p:nvPr>
+        </p:nvSpPr>
+        <p:spPr/>
+        <p:txBody>
+          <a:bodyPr/>
+          <a:lstStyle/>
+          <a:p>
+            <a:r>
+              <a:rPr lang="en-US" dirty="0" smtClean="0"/>
+              <a:t>Results : Answer 3</a:t>
+            </a:r>
+            <a:endParaRPr lang="en-US" dirty="0"/>
+          </a:p>
+        </p:txBody>
+      </p:sp>
+      <p:sp>
+        <p:nvSpPr>
+          <p:cNvPr id="3" name="Content Placeholder 2"/>
+          <p:cNvSpPr>
+            <a:spLocks noGrp="1"/>
+          </p:cNvSpPr>
+          <p:nvPr>
+            <p:ph idx="1"/>
+          </p:nvPr>
+        </p:nvSpPr>
+        <p:spPr/>
+        <p:txBody>
+          <a:bodyPr/>
+          <a:lstStyle/>
+          <a:p>
+            <a:endParaRPr lang="en-US"/>
+          </a:p>
+        </p:txBody>
+      </p:sp>
+    </p:spTree>
+    <p:extLst>
+      <p:ext uri="{BB962C8B-B14F-4D97-AF65-F5344CB8AC3E}">
+        <p14:creationId xmlns:p14="http://schemas.microsoft.com/office/powerpoint/2010/main" val="3902179160"/>
       </p:ext>
     </p:extLst>
   </p:cSld>
